--- a/slides/Figures.pptx
+++ b/slides/Figures.pptx
@@ -6,6 +6,7 @@
   </p:sldMasterIdLst>
   <p:sldIdLst>
     <p:sldId id="256" r:id="rId2"/>
+    <p:sldId id="257" r:id="rId3"/>
   </p:sldIdLst>
   <p:sldSz cx="12192000" cy="6858000"/>
   <p:notesSz cx="6858000" cy="9144000"/>
@@ -3342,7 +3343,10 @@
           <a:bodyPr/>
           <a:lstStyle/>
           <a:p>
-            <a:endParaRPr lang="en-US"/>
+            <a:r>
+              <a:rPr lang="en-US" dirty="0"/>
+              <a:t>Learning Graph Figures</a:t>
+            </a:r>
           </a:p>
         </p:txBody>
       </p:sp>
@@ -3375,6 +3379,220 @@
     <p:extLst>
       <p:ext uri="{BB962C8B-B14F-4D97-AF65-F5344CB8AC3E}">
         <p14:creationId xmlns:p14="http://schemas.microsoft.com/office/powerpoint/2010/main" val="3518670306"/>
+      </p:ext>
+    </p:extLst>
+  </p:cSld>
+  <p:clrMapOvr>
+    <a:masterClrMapping/>
+  </p:clrMapOvr>
+</p:sld>
+</file>
+
+<file path=ppt/slides/slide2.xml><?xml version="1.0" encoding="utf-8"?>
+<p:sld xmlns:a="http://schemas.openxmlformats.org/drawingml/2006/main" xmlns:r="http://schemas.openxmlformats.org/officeDocument/2006/relationships" xmlns:p="http://schemas.openxmlformats.org/presentationml/2006/main">
+  <p:cSld>
+    <p:spTree>
+      <p:nvGrpSpPr>
+        <p:cNvPr id="1" name=""/>
+        <p:cNvGrpSpPr/>
+        <p:nvPr/>
+      </p:nvGrpSpPr>
+      <p:grpSpPr>
+        <a:xfrm>
+          <a:off x="0" y="0"/>
+          <a:ext cx="0" cy="0"/>
+          <a:chOff x="0" y="0"/>
+          <a:chExt cx="0" cy="0"/>
+        </a:xfrm>
+      </p:grpSpPr>
+      <p:sp>
+        <p:nvSpPr>
+          <p:cNvPr id="5" name="Oval 4">
+            <a:extLst>
+              <a:ext uri="{FF2B5EF4-FFF2-40B4-BE49-F238E27FC236}">
+                <a16:creationId xmlns:a16="http://schemas.microsoft.com/office/drawing/2014/main" id="{6026F749-68C2-4940-820F-B238E25B2120}"/>
+              </a:ext>
+            </a:extLst>
+          </p:cNvPr>
+          <p:cNvSpPr/>
+          <p:nvPr/>
+        </p:nvSpPr>
+        <p:spPr>
+          <a:xfrm>
+            <a:off x="3591811" y="1343264"/>
+            <a:ext cx="1443326" cy="1439918"/>
+          </a:xfrm>
+          <a:prstGeom prst="ellipse">
+            <a:avLst/>
+          </a:prstGeom>
+          <a:solidFill>
+            <a:srgbClr val="51B1E2"/>
+          </a:solidFill>
+          <a:ln w="28575">
+            <a:solidFill>
+              <a:schemeClr val="tx1"/>
+            </a:solidFill>
+          </a:ln>
+        </p:spPr>
+        <p:style>
+          <a:lnRef idx="2">
+            <a:schemeClr val="accent1">
+              <a:shade val="15000"/>
+            </a:schemeClr>
+          </a:lnRef>
+          <a:fillRef idx="1">
+            <a:schemeClr val="accent1"/>
+          </a:fillRef>
+          <a:effectRef idx="0">
+            <a:schemeClr val="accent1"/>
+          </a:effectRef>
+          <a:fontRef idx="minor">
+            <a:schemeClr val="lt1"/>
+          </a:fontRef>
+        </p:style>
+        <p:txBody>
+          <a:bodyPr rtlCol="0" anchor="ctr"/>
+          <a:lstStyle/>
+          <a:p>
+            <a:pPr algn="ctr"/>
+            <a:endParaRPr lang="en-US"/>
+          </a:p>
+        </p:txBody>
+      </p:sp>
+      <p:sp>
+        <p:nvSpPr>
+          <p:cNvPr id="2" name="Title 1">
+            <a:extLst>
+              <a:ext uri="{FF2B5EF4-FFF2-40B4-BE49-F238E27FC236}">
+                <a16:creationId xmlns:a16="http://schemas.microsoft.com/office/drawing/2014/main" id="{16C09CA2-5752-DBD5-08D9-4F2023045BC2}"/>
+              </a:ext>
+            </a:extLst>
+          </p:cNvPr>
+          <p:cNvSpPr>
+            <a:spLocks noGrp="1"/>
+          </p:cNvSpPr>
+          <p:nvPr>
+            <p:ph type="title"/>
+          </p:nvPr>
+        </p:nvSpPr>
+        <p:spPr>
+          <a:xfrm>
+            <a:off x="838200" y="365126"/>
+            <a:ext cx="10515600" cy="561632"/>
+          </a:xfrm>
+        </p:spPr>
+        <p:txBody>
+          <a:bodyPr>
+            <a:normAutofit fontScale="90000"/>
+          </a:bodyPr>
+          <a:lstStyle/>
+          <a:p>
+            <a:r>
+              <a:rPr lang="en-US" dirty="0"/>
+              <a:t>Logo and Favicon</a:t>
+            </a:r>
+          </a:p>
+        </p:txBody>
+      </p:sp>
+      <p:sp>
+        <p:nvSpPr>
+          <p:cNvPr id="3" name="Content Placeholder 2">
+            <a:extLst>
+              <a:ext uri="{FF2B5EF4-FFF2-40B4-BE49-F238E27FC236}">
+                <a16:creationId xmlns:a16="http://schemas.microsoft.com/office/drawing/2014/main" id="{E011D023-0D61-A5D9-A15C-774CB1D1DE19}"/>
+              </a:ext>
+            </a:extLst>
+          </p:cNvPr>
+          <p:cNvSpPr>
+            <a:spLocks noGrp="1"/>
+          </p:cNvSpPr>
+          <p:nvPr>
+            <p:ph idx="1"/>
+          </p:nvPr>
+        </p:nvSpPr>
+        <p:spPr>
+          <a:xfrm>
+            <a:off x="838200" y="4361935"/>
+            <a:ext cx="10515600" cy="1815028"/>
+          </a:xfrm>
+        </p:spPr>
+        <p:txBody>
+          <a:bodyPr/>
+          <a:lstStyle/>
+          <a:p>
+            <a:endParaRPr lang="en-US" dirty="0"/>
+          </a:p>
+        </p:txBody>
+      </p:sp>
+      <p:sp>
+        <p:nvSpPr>
+          <p:cNvPr id="4" name="TextBox 3">
+            <a:extLst>
+              <a:ext uri="{FF2B5EF4-FFF2-40B4-BE49-F238E27FC236}">
+                <a16:creationId xmlns:a16="http://schemas.microsoft.com/office/drawing/2014/main" id="{0B502803-DECB-5FA2-8205-A99E82BC249C}"/>
+              </a:ext>
+            </a:extLst>
+          </p:cNvPr>
+          <p:cNvSpPr txBox="1"/>
+          <p:nvPr/>
+        </p:nvSpPr>
+        <p:spPr>
+          <a:xfrm>
+            <a:off x="3684246" y="1444017"/>
+            <a:ext cx="1258457" cy="1200329"/>
+          </a:xfrm>
+          <a:prstGeom prst="rect">
+            <a:avLst/>
+          </a:prstGeom>
+          <a:noFill/>
+          <a:ln>
+            <a:noFill/>
+          </a:ln>
+        </p:spPr>
+        <p:txBody>
+          <a:bodyPr wrap="square" rtlCol="0">
+            <a:spAutoFit/>
+          </a:bodyPr>
+          <a:lstStyle/>
+          <a:p>
+            <a:r>
+              <a:rPr lang="en-US" sz="7200" b="1" dirty="0">
+                <a:gradFill flip="none" rotWithShape="1">
+                  <a:gsLst>
+                    <a:gs pos="0">
+                      <a:srgbClr val="FF0000"/>
+                    </a:gs>
+                    <a:gs pos="79000">
+                      <a:srgbClr val="0070C0"/>
+                    </a:gs>
+                    <a:gs pos="61000">
+                      <a:srgbClr val="00B050"/>
+                    </a:gs>
+                    <a:gs pos="40000">
+                      <a:srgbClr val="E7E700"/>
+                    </a:gs>
+                    <a:gs pos="20000">
+                      <a:srgbClr val="FFC000"/>
+                    </a:gs>
+                    <a:gs pos="100000">
+                      <a:srgbClr val="7030A0"/>
+                    </a:gs>
+                  </a:gsLst>
+                  <a:lin ang="0" scaled="1"/>
+                  <a:tileRect/>
+                </a:gradFill>
+                <a:latin typeface="Arial Narrow" panose="020B0604020202020204" pitchFamily="34" charset="0"/>
+                <a:cs typeface="Arial Narrow" panose="020B0604020202020204" pitchFamily="34" charset="0"/>
+              </a:rPr>
+              <a:t>LG</a:t>
+            </a:r>
+          </a:p>
+        </p:txBody>
+      </p:sp>
+    </p:spTree>
+    <p:extLst>
+      <p:ext uri="{BB962C8B-B14F-4D97-AF65-F5344CB8AC3E}">
+        <p14:creationId xmlns:p14="http://schemas.microsoft.com/office/powerpoint/2010/main" val="161541658"/>
       </p:ext>
     </p:extLst>
   </p:cSld>
